--- a/Diagrams/AI_Customer_Support_Presentation.pptx
+++ b/Diagrams/AI_Customer_Support_Presentation.pptx
@@ -309,7 +309,7 @@
           <a:p>
             <a:fld id="{5BCAD085-E8A6-8845-BD4E-CB4CCA059FC4}" type="datetimeFigureOut">
               <a:rPr lang="en-US" smtClean="0"/>
-              <a:t>4/30/2025</a:t>
+              <a:t>5/1/2025</a:t>
             </a:fld>
             <a:endParaRPr lang="en-US"/>
           </a:p>
@@ -477,7 +477,7 @@
           <a:p>
             <a:fld id="{5BCAD085-E8A6-8845-BD4E-CB4CCA059FC4}" type="datetimeFigureOut">
               <a:rPr lang="en-US" smtClean="0"/>
-              <a:t>4/30/2025</a:t>
+              <a:t>5/1/2025</a:t>
             </a:fld>
             <a:endParaRPr lang="en-US"/>
           </a:p>
@@ -655,7 +655,7 @@
           <a:p>
             <a:fld id="{5BCAD085-E8A6-8845-BD4E-CB4CCA059FC4}" type="datetimeFigureOut">
               <a:rPr lang="en-US" smtClean="0"/>
-              <a:t>4/30/2025</a:t>
+              <a:t>5/1/2025</a:t>
             </a:fld>
             <a:endParaRPr lang="en-US"/>
           </a:p>
@@ -823,7 +823,7 @@
           <a:p>
             <a:fld id="{5BCAD085-E8A6-8845-BD4E-CB4CCA059FC4}" type="datetimeFigureOut">
               <a:rPr lang="en-US" smtClean="0"/>
-              <a:t>4/30/2025</a:t>
+              <a:t>5/1/2025</a:t>
             </a:fld>
             <a:endParaRPr lang="en-US"/>
           </a:p>
@@ -1068,7 +1068,7 @@
           <a:p>
             <a:fld id="{5BCAD085-E8A6-8845-BD4E-CB4CCA059FC4}" type="datetimeFigureOut">
               <a:rPr lang="en-US" smtClean="0"/>
-              <a:t>4/30/2025</a:t>
+              <a:t>5/1/2025</a:t>
             </a:fld>
             <a:endParaRPr lang="en-US"/>
           </a:p>
@@ -1353,7 +1353,7 @@
           <a:p>
             <a:fld id="{5BCAD085-E8A6-8845-BD4E-CB4CCA059FC4}" type="datetimeFigureOut">
               <a:rPr lang="en-US" smtClean="0"/>
-              <a:t>4/30/2025</a:t>
+              <a:t>5/1/2025</a:t>
             </a:fld>
             <a:endParaRPr lang="en-US"/>
           </a:p>
@@ -1772,7 +1772,7 @@
           <a:p>
             <a:fld id="{5BCAD085-E8A6-8845-BD4E-CB4CCA059FC4}" type="datetimeFigureOut">
               <a:rPr lang="en-US" smtClean="0"/>
-              <a:t>4/30/2025</a:t>
+              <a:t>5/1/2025</a:t>
             </a:fld>
             <a:endParaRPr lang="en-US"/>
           </a:p>
@@ -1889,7 +1889,7 @@
           <a:p>
             <a:fld id="{5BCAD085-E8A6-8845-BD4E-CB4CCA059FC4}" type="datetimeFigureOut">
               <a:rPr lang="en-US" smtClean="0"/>
-              <a:t>4/30/2025</a:t>
+              <a:t>5/1/2025</a:t>
             </a:fld>
             <a:endParaRPr lang="en-US"/>
           </a:p>
@@ -1984,7 +1984,7 @@
           <a:p>
             <a:fld id="{5BCAD085-E8A6-8845-BD4E-CB4CCA059FC4}" type="datetimeFigureOut">
               <a:rPr lang="en-US" smtClean="0"/>
-              <a:t>4/30/2025</a:t>
+              <a:t>5/1/2025</a:t>
             </a:fld>
             <a:endParaRPr lang="en-US"/>
           </a:p>
@@ -2259,7 +2259,7 @@
           <a:p>
             <a:fld id="{5BCAD085-E8A6-8845-BD4E-CB4CCA059FC4}" type="datetimeFigureOut">
               <a:rPr lang="en-US" smtClean="0"/>
-              <a:t>4/30/2025</a:t>
+              <a:t>5/1/2025</a:t>
             </a:fld>
             <a:endParaRPr lang="en-US"/>
           </a:p>
@@ -2511,7 +2511,7 @@
           <a:p>
             <a:fld id="{5BCAD085-E8A6-8845-BD4E-CB4CCA059FC4}" type="datetimeFigureOut">
               <a:rPr lang="en-US" smtClean="0"/>
-              <a:t>4/30/2025</a:t>
+              <a:t>5/1/2025</a:t>
             </a:fld>
             <a:endParaRPr lang="en-US"/>
           </a:p>
@@ -2752,7 +2752,7 @@
           <a:p>
             <a:fld id="{5BCAD085-E8A6-8845-BD4E-CB4CCA059FC4}" type="datetimeFigureOut">
               <a:rPr lang="en-US" smtClean="0"/>
-              <a:t>4/30/2025</a:t>
+              <a:t>5/1/2025</a:t>
             </a:fld>
             <a:endParaRPr lang="en-US"/>
           </a:p>
@@ -3206,7 +3206,7 @@
           <a:p>
             <a:r>
               <a:rPr lang="en-US" dirty="0"/>
-              <a:t>Customer Support for the Textile Industry</a:t>
+              <a:t>AI Receptionist for the Textile Industry</a:t>
             </a:r>
           </a:p>
         </p:txBody>
